--- a/doc/presentation.pptx
+++ b/doc/presentation.pptx
@@ -264,7 +264,7 @@
             <a:fld id="{108830C0-5E4B-4578-B647-DB549FBDCE8B}" type="datetimeFigureOut">
               <a:rPr lang="de-DE" sz="1200"/>
               <a:pPr/>
-              <a:t>28.10.2012</a:t>
+              <a:t>29.10.2012</a:t>
             </a:fld>
             <a:endParaRPr lang="de-DE" sz="1200"/>
           </a:p>
@@ -4185,15 +4185,7 @@
           <a:p>
             <a:r>
               <a:rPr lang="de-DE" dirty="0" smtClean="0"/>
-              <a:t>Anmeldung Opium bis </a:t>
-            </a:r>
-            <a:r>
-              <a:rPr lang="de-DE" dirty="0" smtClean="0"/>
-              <a:t>heute</a:t>
-            </a:r>
-            <a:r>
-              <a:rPr lang="de-DE" dirty="0" smtClean="0"/>
-              <a:t>!</a:t>
+              <a:t>Anmeldung Opium bis heute!</a:t>
             </a:r>
             <a:br>
               <a:rPr lang="de-DE" dirty="0" smtClean="0"/>
@@ -4475,7 +4467,6 @@
               <a:rPr lang="de-DE" dirty="0" smtClean="0"/>
               <a:t> bekannt gegeben.</a:t>
             </a:r>
-            <a:endParaRPr lang="de-DE" dirty="0" smtClean="0"/>
           </a:p>
           <a:p>
             <a:r>
@@ -4736,8 +4727,41 @@
           <a:p>
             <a:r>
               <a:rPr lang="de-DE" dirty="0" smtClean="0"/>
-              <a:t>Sie können Bomben legen, die nach 3 Zügen explodieren und Wände und andere Roboter in einer 4er Nachbarschaft der Bombe entfernen. Zerstörte Roboter haben leider verloren.</a:t>
-            </a:r>
+              <a:t>Sie können Bomben legen, die nach 3 Zügen explodieren und </a:t>
+            </a:r>
+            <a:r>
+              <a:rPr lang="de-DE" dirty="0" smtClean="0"/>
+              <a:t>Wände in </a:t>
+            </a:r>
+            <a:r>
+              <a:rPr lang="de-DE" dirty="0" smtClean="0"/>
+              <a:t>einer 4er Nachbarschaft der Bombe </a:t>
+            </a:r>
+            <a:r>
+              <a:rPr lang="de-DE" dirty="0" smtClean="0"/>
+              <a:t>zerstört</a:t>
+            </a:r>
+            <a:r>
+              <a:rPr lang="de-DE" dirty="0" smtClean="0"/>
+              <a:t>. </a:t>
+            </a:r>
+            <a:r>
+              <a:rPr lang="de-DE" dirty="0" smtClean="0"/>
+              <a:t>G</a:t>
+            </a:r>
+            <a:r>
+              <a:rPr lang="de-DE" dirty="0" smtClean="0"/>
+              <a:t>etroffenen Roboter wird die </a:t>
+            </a:r>
+            <a:r>
+              <a:rPr lang="de-DE" dirty="0" err="1" smtClean="0"/>
+              <a:t>gesammte</a:t>
+            </a:r>
+            <a:r>
+              <a:rPr lang="de-DE" dirty="0" smtClean="0"/>
+              <a:t> Batterieleistung entzogen .</a:t>
+            </a:r>
+            <a:endParaRPr lang="de-DE" dirty="0" smtClean="0"/>
           </a:p>
           <a:p>
             <a:r>
@@ -4885,7 +4909,19 @@
           <a:p>
             <a:r>
               <a:rPr lang="de-DE" dirty="0" smtClean="0"/>
-              <a:t>Der Befehl Sensordaten aufnehmen führt dazu, dass sie über die Belegung im Labyrinth um die 4er Nachbarschaft der Roboterposition vor ihrem nächsten Zug informiert werden.</a:t>
+              <a:t>Der Befehl Sensordaten aufnehmen führt dazu, dass sie über die Belegung im Labyrinth um die 4er Nachbarschaft der Roboterposition </a:t>
+            </a:r>
+            <a:r>
+              <a:rPr lang="de-DE" dirty="0" smtClean="0"/>
+              <a:t>bei </a:t>
+            </a:r>
+            <a:r>
+              <a:rPr lang="de-DE" dirty="0" smtClean="0"/>
+              <a:t>ihrem </a:t>
+            </a:r>
+            <a:r>
+              <a:rPr lang="de-DE" dirty="0" smtClean="0"/>
+              <a:t>nächsten Zug informiert werden.</a:t>
             </a:r>
             <a:endParaRPr lang="de-DE" dirty="0"/>
           </a:p>
@@ -4976,11 +5012,7 @@
           <a:p>
             <a:r>
               <a:rPr lang="de-DE" dirty="0" smtClean="0"/>
-              <a:t>R</a:t>
-            </a:r>
-            <a:r>
-              <a:rPr lang="de-DE" dirty="0" smtClean="0"/>
-              <a:t>andbedingungen</a:t>
+              <a:t>Randbedingungen</a:t>
             </a:r>
             <a:endParaRPr lang="de-DE" dirty="0"/>
           </a:p>

--- a/doc/presentation.pptx
+++ b/doc/presentation.pptx
@@ -264,7 +264,7 @@
             <a:fld id="{108830C0-5E4B-4578-B647-DB549FBDCE8B}" type="datetimeFigureOut">
               <a:rPr lang="de-DE" sz="1200"/>
               <a:pPr/>
-              <a:t>29.10.2012</a:t>
+              <a:t>31.10.2012</a:t>
             </a:fld>
             <a:endParaRPr lang="de-DE" sz="1200"/>
           </a:p>
@@ -4457,21 +4457,11 @@
           <a:p>
             <a:r>
               <a:rPr lang="de-DE" dirty="0" smtClean="0"/>
-              <a:t>Die Start- und Zielposition werden ihnen </a:t>
-            </a:r>
-            <a:r>
-              <a:rPr lang="de-DE" dirty="0" err="1" smtClean="0"/>
-              <a:t>initial</a:t>
+              <a:t>Sie </a:t>
             </a:r>
             <a:r>
               <a:rPr lang="de-DE" dirty="0" smtClean="0"/>
-              <a:t> bekannt gegeben.</a:t>
-            </a:r>
-          </a:p>
-          <a:p>
-            <a:r>
-              <a:rPr lang="de-DE" dirty="0" smtClean="0"/>
-              <a:t>Sie werden nacheinander gefragt, welches ihr nächster Zug ist.</a:t>
+              <a:t>werden nacheinander gefragt, welches ihr nächster Zug ist.</a:t>
             </a:r>
           </a:p>
           <a:p>
@@ -4596,7 +4586,7 @@
           <a:p>
             <a:r>
               <a:rPr lang="de-DE" dirty="0" smtClean="0"/>
-              <a:t>Drehe Links, Drehe Rechts, Fahre Geradeaus, stehen bleiben, Sensordaten aufnehmen, Stein absetzen, (Bombe legen)</a:t>
+              <a:t>Drehe Links, Drehe Rechts, Fahre Geradeaus, stehen bleiben, Sensordaten aufnehmen, Stein absetzen, Bombe legen</a:t>
             </a:r>
           </a:p>
           <a:p>
@@ -4727,41 +4717,8 @@
           <a:p>
             <a:r>
               <a:rPr lang="de-DE" dirty="0" smtClean="0"/>
-              <a:t>Sie können Bomben legen, die nach 3 Zügen explodieren und </a:t>
-            </a:r>
-            <a:r>
-              <a:rPr lang="de-DE" dirty="0" smtClean="0"/>
-              <a:t>Wände in </a:t>
-            </a:r>
-            <a:r>
-              <a:rPr lang="de-DE" dirty="0" smtClean="0"/>
-              <a:t>einer 4er Nachbarschaft der Bombe </a:t>
-            </a:r>
-            <a:r>
-              <a:rPr lang="de-DE" dirty="0" smtClean="0"/>
-              <a:t>zerstört</a:t>
-            </a:r>
-            <a:r>
-              <a:rPr lang="de-DE" dirty="0" smtClean="0"/>
-              <a:t>. </a:t>
-            </a:r>
-            <a:r>
-              <a:rPr lang="de-DE" dirty="0" smtClean="0"/>
-              <a:t>G</a:t>
-            </a:r>
-            <a:r>
-              <a:rPr lang="de-DE" dirty="0" smtClean="0"/>
-              <a:t>etroffenen Roboter wird die </a:t>
-            </a:r>
-            <a:r>
-              <a:rPr lang="de-DE" dirty="0" err="1" smtClean="0"/>
-              <a:t>gesammte</a:t>
-            </a:r>
-            <a:r>
-              <a:rPr lang="de-DE" dirty="0" smtClean="0"/>
-              <a:t> Batterieleistung entzogen .</a:t>
-            </a:r>
-            <a:endParaRPr lang="de-DE" dirty="0" smtClean="0"/>
+              <a:t>Sie können Bomben legen, die nach 3 Zügen explodieren und Wände in einer 4er Nachbarschaft der Bombe zerstört. Getroffenen Roboter wird die gesamte Batterieleistung entzogen .</a:t>
+            </a:r>
           </a:p>
           <a:p>
             <a:r>
@@ -4789,8 +4746,8 @@
               <a:t>problem</a:t>
             </a:r>
             <a:r>
-              <a:rPr lang="de-DE" dirty="0" smtClean="0"/>
-              <a:t>)</a:t>
+              <a:rPr lang="de-DE" smtClean="0"/>
+              <a:t>).</a:t>
             </a:r>
             <a:endParaRPr lang="de-DE" dirty="0"/>
           </a:p>
@@ -4909,19 +4866,13 @@
           <a:p>
             <a:r>
               <a:rPr lang="de-DE" dirty="0" smtClean="0"/>
-              <a:t>Der Befehl Sensordaten aufnehmen führt dazu, dass sie über die Belegung im Labyrinth um die 4er Nachbarschaft der Roboterposition </a:t>
-            </a:r>
+              <a:t>Der Befehl Sensordaten aufnehmen führt dazu, dass sie über die Belegung im Labyrinth um die 4er Nachbarschaft der Roboterposition bei ihrem nächsten Zug informiert werden.</a:t>
+            </a:r>
+          </a:p>
+          <a:p>
             <a:r>
               <a:rPr lang="de-DE" dirty="0" smtClean="0"/>
-              <a:t>bei </a:t>
-            </a:r>
-            <a:r>
-              <a:rPr lang="de-DE" dirty="0" smtClean="0"/>
-              <a:t>ihrem </a:t>
-            </a:r>
-            <a:r>
-              <a:rPr lang="de-DE" dirty="0" smtClean="0"/>
-              <a:t>nächsten Zug informiert werden.</a:t>
+              <a:t>Sie bekommen einen Kompass der ihnen die grobe Richtung (8ter Nachbarschaft) des Ziels anzeigt.</a:t>
             </a:r>
             <a:endParaRPr lang="de-DE" dirty="0"/>
           </a:p>
